--- a/docs/docs/pyosirix/examples/Read ITK/additional files/screenshot.pptx
+++ b/docs/docs/pyosirix/examples/Read ITK/additional files/screenshot.pptx
@@ -2975,10 +2975,10 @@
       </p:grpSpPr>
       <p:grpSp>
         <p:nvGrpSpPr>
-          <p:cNvPr id="16" name="Group 15">
+          <p:cNvPr id="21" name="Group 20">
             <a:extLst>
               <a:ext uri="{FF2B5EF4-FFF2-40B4-BE49-F238E27FC236}">
-                <a16:creationId xmlns:a16="http://schemas.microsoft.com/office/drawing/2014/main" id="{21CF5EED-5812-7D37-3ED4-B0885444D666}"/>
+                <a16:creationId xmlns:a16="http://schemas.microsoft.com/office/drawing/2014/main" id="{84B011EF-F174-FDC1-14D9-D7F6DDF43513}"/>
               </a:ext>
             </a:extLst>
           </p:cNvPr>
@@ -2988,17 +2988,17 @@
         <p:grpSpPr>
           <a:xfrm>
             <a:off x="0" y="0"/>
-            <a:ext cx="4319588" cy="3240088"/>
+            <a:ext cx="4319588" cy="3257531"/>
             <a:chOff x="0" y="0"/>
-            <a:chExt cx="4319588" cy="3240088"/>
+            <a:chExt cx="4319588" cy="3257531"/>
           </a:xfrm>
         </p:grpSpPr>
         <p:grpSp>
           <p:nvGrpSpPr>
-            <p:cNvPr id="11" name="Group 10">
+            <p:cNvPr id="16" name="Group 15">
               <a:extLst>
                 <a:ext uri="{FF2B5EF4-FFF2-40B4-BE49-F238E27FC236}">
-                  <a16:creationId xmlns:a16="http://schemas.microsoft.com/office/drawing/2014/main" id="{144115AA-3872-F2BB-16B9-E3161D62A78A}"/>
+                  <a16:creationId xmlns:a16="http://schemas.microsoft.com/office/drawing/2014/main" id="{21CF5EED-5812-7D37-3ED4-B0885444D666}"/>
                 </a:ext>
               </a:extLst>
             </p:cNvPr>
@@ -3008,89 +3008,140 @@
           <p:grpSpPr>
             <a:xfrm>
               <a:off x="0" y="0"/>
-              <a:ext cx="1553513" cy="1653711"/>
-              <a:chOff x="1508661" y="-570050"/>
-              <a:chExt cx="3043772" cy="3240088"/>
+              <a:ext cx="4319588" cy="3240088"/>
+              <a:chOff x="0" y="0"/>
+              <a:chExt cx="4319588" cy="3240088"/>
             </a:xfrm>
           </p:grpSpPr>
-          <p:pic>
-            <p:nvPicPr>
-              <p:cNvPr id="7" name="Picture 6" descr="A white page curl on a black background&#10;&#10;Description automatically generated">
+          <p:grpSp>
+            <p:nvGrpSpPr>
+              <p:cNvPr id="11" name="Group 10">
                 <a:extLst>
                   <a:ext uri="{FF2B5EF4-FFF2-40B4-BE49-F238E27FC236}">
-                    <a16:creationId xmlns:a16="http://schemas.microsoft.com/office/drawing/2014/main" id="{BC8153D4-DBFA-2B2E-2857-95A1A26884DB}"/>
+                    <a16:creationId xmlns:a16="http://schemas.microsoft.com/office/drawing/2014/main" id="{144115AA-3872-F2BB-16B9-E3161D62A78A}"/>
                   </a:ext>
                 </a:extLst>
               </p:cNvPr>
-              <p:cNvPicPr>
-                <a:picLocks noChangeAspect="1"/>
-              </p:cNvPicPr>
+              <p:cNvGrpSpPr/>
               <p:nvPr/>
-            </p:nvPicPr>
-            <p:blipFill rotWithShape="1">
-              <a:blip r:embed="rId2"/>
-              <a:srcRect l="6059"/>
-              <a:stretch/>
-            </p:blipFill>
-            <p:spPr>
+            </p:nvGrpSpPr>
+            <p:grpSpPr>
               <a:xfrm>
-                <a:off x="1508661" y="-570050"/>
-                <a:ext cx="3043772" cy="3240088"/>
+                <a:off x="0" y="0"/>
+                <a:ext cx="1553513" cy="1653711"/>
+                <a:chOff x="1508661" y="-570050"/>
+                <a:chExt cx="3043772" cy="3240088"/>
               </a:xfrm>
-              <a:prstGeom prst="rect">
-                <a:avLst/>
-              </a:prstGeom>
-            </p:spPr>
-          </p:pic>
-          <p:sp>
-            <p:nvSpPr>
-              <p:cNvPr id="8" name="TextBox 7">
+            </p:grpSpPr>
+            <p:pic>
+              <p:nvPicPr>
+                <p:cNvPr id="7" name="Picture 6" descr="A white page curl on a black background&#10;&#10;Description automatically generated">
+                  <a:extLst>
+                    <a:ext uri="{FF2B5EF4-FFF2-40B4-BE49-F238E27FC236}">
+                      <a16:creationId xmlns:a16="http://schemas.microsoft.com/office/drawing/2014/main" id="{BC8153D4-DBFA-2B2E-2857-95A1A26884DB}"/>
+                    </a:ext>
+                  </a:extLst>
+                </p:cNvPr>
+                <p:cNvPicPr>
+                  <a:picLocks noChangeAspect="1"/>
+                </p:cNvPicPr>
+                <p:nvPr/>
+              </p:nvPicPr>
+              <p:blipFill rotWithShape="1">
+                <a:blip r:embed="rId2"/>
+                <a:srcRect l="6059"/>
+                <a:stretch/>
+              </p:blipFill>
+              <p:spPr>
+                <a:xfrm>
+                  <a:off x="1508661" y="-570050"/>
+                  <a:ext cx="3043772" cy="3240088"/>
+                </a:xfrm>
+                <a:prstGeom prst="rect">
+                  <a:avLst/>
+                </a:prstGeom>
+              </p:spPr>
+            </p:pic>
+            <p:sp>
+              <p:nvSpPr>
+                <p:cNvPr id="8" name="TextBox 7">
+                  <a:extLst>
+                    <a:ext uri="{FF2B5EF4-FFF2-40B4-BE49-F238E27FC236}">
+                      <a16:creationId xmlns:a16="http://schemas.microsoft.com/office/drawing/2014/main" id="{5CE75844-0DD8-E83F-4C36-33658C56C300}"/>
+                    </a:ext>
+                  </a:extLst>
+                </p:cNvPr>
+                <p:cNvSpPr txBox="1"/>
+                <p:nvPr/>
+              </p:nvSpPr>
+              <p:spPr>
+                <a:xfrm>
+                  <a:off x="2167482" y="1751630"/>
+                  <a:ext cx="1539589" cy="723626"/>
+                </a:xfrm>
+                <a:prstGeom prst="rect">
+                  <a:avLst/>
+                </a:prstGeom>
+                <a:noFill/>
+              </p:spPr>
+              <p:txBody>
+                <a:bodyPr wrap="none" rtlCol="0">
+                  <a:spAutoFit/>
+                </a:bodyPr>
+                <a:lstStyle/>
+                <a:p>
+                  <a:pPr algn="ctr"/>
+                  <a:r>
+                    <a:rPr lang="en-US" dirty="0">
+                      <a:solidFill>
+                        <a:schemeClr val="tx1">
+                          <a:lumMod val="50000"/>
+                          <a:lumOff val="50000"/>
+                        </a:schemeClr>
+                      </a:solidFill>
+                    </a:rPr>
+                    <a:t>NRRD</a:t>
+                  </a:r>
+                </a:p>
+              </p:txBody>
+            </p:sp>
+            <p:pic>
+              <p:nvPicPr>
+                <p:cNvPr id="3" name="Picture 2">
+                  <a:extLst>
+                    <a:ext uri="{FF2B5EF4-FFF2-40B4-BE49-F238E27FC236}">
+                      <a16:creationId xmlns:a16="http://schemas.microsoft.com/office/drawing/2014/main" id="{CEE5F230-EA6F-85E7-3D84-399B0034BD80}"/>
+                    </a:ext>
+                  </a:extLst>
+                </p:cNvPr>
+                <p:cNvPicPr>
+                  <a:picLocks noChangeAspect="1"/>
+                </p:cNvPicPr>
+                <p:nvPr/>
+              </p:nvPicPr>
+              <p:blipFill>
+                <a:blip r:embed="rId3"/>
+                <a:stretch>
+                  <a:fillRect/>
+                </a:stretch>
+              </p:blipFill>
+              <p:spPr>
+                <a:xfrm>
+                  <a:off x="2030089" y="2735"/>
+                  <a:ext cx="1780336" cy="1780336"/>
+                </a:xfrm>
+                <a:prstGeom prst="rect">
+                  <a:avLst/>
+                </a:prstGeom>
+              </p:spPr>
+            </p:pic>
+          </p:grpSp>
+          <p:pic>
+            <p:nvPicPr>
+              <p:cNvPr id="13" name="Picture 12" descr="A screenshot of a computer&#10;&#10;Description automatically generated">
                 <a:extLst>
                   <a:ext uri="{FF2B5EF4-FFF2-40B4-BE49-F238E27FC236}">
-                    <a16:creationId xmlns:a16="http://schemas.microsoft.com/office/drawing/2014/main" id="{5CE75844-0DD8-E83F-4C36-33658C56C300}"/>
-                  </a:ext>
-                </a:extLst>
-              </p:cNvPr>
-              <p:cNvSpPr txBox="1"/>
-              <p:nvPr/>
-            </p:nvSpPr>
-            <p:spPr>
-              <a:xfrm>
-                <a:off x="2167482" y="1751630"/>
-                <a:ext cx="1539589" cy="723626"/>
-              </a:xfrm>
-              <a:prstGeom prst="rect">
-                <a:avLst/>
-              </a:prstGeom>
-              <a:noFill/>
-            </p:spPr>
-            <p:txBody>
-              <a:bodyPr wrap="none" rtlCol="0">
-                <a:spAutoFit/>
-              </a:bodyPr>
-              <a:lstStyle/>
-              <a:p>
-                <a:pPr algn="ctr"/>
-                <a:r>
-                  <a:rPr lang="en-US" dirty="0">
-                    <a:solidFill>
-                      <a:schemeClr val="tx1">
-                        <a:lumMod val="50000"/>
-                        <a:lumOff val="50000"/>
-                      </a:schemeClr>
-                    </a:solidFill>
-                  </a:rPr>
-                  <a:t>NRRD</a:t>
-                </a:r>
-              </a:p>
-            </p:txBody>
-          </p:sp>
-          <p:pic>
-            <p:nvPicPr>
-              <p:cNvPr id="3" name="Picture 2">
-                <a:extLst>
-                  <a:ext uri="{FF2B5EF4-FFF2-40B4-BE49-F238E27FC236}">
-                    <a16:creationId xmlns:a16="http://schemas.microsoft.com/office/drawing/2014/main" id="{CEE5F230-EA6F-85E7-3D84-399B0034BD80}"/>
+                    <a16:creationId xmlns:a16="http://schemas.microsoft.com/office/drawing/2014/main" id="{03000FAE-8BE0-3A6C-B2CD-CA5A5ED3FEEC}"/>
                   </a:ext>
                 </a:extLst>
               </p:cNvPr>
@@ -3100,15 +3151,15 @@
               <p:nvPr/>
             </p:nvPicPr>
             <p:blipFill>
-              <a:blip r:embed="rId3"/>
+              <a:blip r:embed="rId4"/>
               <a:stretch>
                 <a:fillRect/>
               </a:stretch>
             </p:blipFill>
             <p:spPr>
               <a:xfrm>
-                <a:off x="2030089" y="2735"/>
-                <a:ext cx="1780336" cy="1780336"/>
+                <a:off x="1509807" y="956441"/>
+                <a:ext cx="2809781" cy="2283647"/>
               </a:xfrm>
               <a:prstGeom prst="rect">
                 <a:avLst/>
@@ -3118,10 +3169,82 @@
         </p:grpSp>
         <p:pic>
           <p:nvPicPr>
-            <p:cNvPr id="13" name="Picture 12" descr="A screenshot of a computer&#10;&#10;Description automatically generated">
+            <p:cNvPr id="17" name="Picture 16" descr="A white page curl on a black background&#10;&#10;Description automatically generated">
               <a:extLst>
                 <a:ext uri="{FF2B5EF4-FFF2-40B4-BE49-F238E27FC236}">
-                  <a16:creationId xmlns:a16="http://schemas.microsoft.com/office/drawing/2014/main" id="{03000FAE-8BE0-3A6C-B2CD-CA5A5ED3FEEC}"/>
+                  <a16:creationId xmlns:a16="http://schemas.microsoft.com/office/drawing/2014/main" id="{31C5A8F0-14ED-F406-E041-A718C7B875B4}"/>
+                </a:ext>
+              </a:extLst>
+            </p:cNvPr>
+            <p:cNvPicPr>
+              <a:picLocks noChangeAspect="1"/>
+            </p:cNvPicPr>
+            <p:nvPr/>
+          </p:nvPicPr>
+          <p:blipFill rotWithShape="1">
+            <a:blip r:embed="rId2"/>
+            <a:srcRect l="6059"/>
+            <a:stretch/>
+          </p:blipFill>
+          <p:spPr>
+            <a:xfrm>
+              <a:off x="0" y="1603820"/>
+              <a:ext cx="1553513" cy="1653711"/>
+            </a:xfrm>
+            <a:prstGeom prst="rect">
+              <a:avLst/>
+            </a:prstGeom>
+          </p:spPr>
+        </p:pic>
+        <p:sp>
+          <p:nvSpPr>
+            <p:cNvPr id="18" name="TextBox 17">
+              <a:extLst>
+                <a:ext uri="{FF2B5EF4-FFF2-40B4-BE49-F238E27FC236}">
+                  <a16:creationId xmlns:a16="http://schemas.microsoft.com/office/drawing/2014/main" id="{488CD75D-E6D7-BC5A-6A4D-F3388669E635}"/>
+                </a:ext>
+              </a:extLst>
+            </p:cNvPr>
+            <p:cNvSpPr txBox="1"/>
+            <p:nvPr/>
+          </p:nvSpPr>
+          <p:spPr>
+            <a:xfrm>
+              <a:off x="395568" y="2788784"/>
+              <a:ext cx="667170" cy="369332"/>
+            </a:xfrm>
+            <a:prstGeom prst="rect">
+              <a:avLst/>
+            </a:prstGeom>
+            <a:noFill/>
+          </p:spPr>
+          <p:txBody>
+            <a:bodyPr wrap="none" rtlCol="0">
+              <a:spAutoFit/>
+            </a:bodyPr>
+            <a:lstStyle/>
+            <a:p>
+              <a:pPr algn="ctr"/>
+              <a:r>
+                <a:rPr lang="en-US" dirty="0">
+                  <a:solidFill>
+                    <a:schemeClr val="tx1">
+                      <a:lumMod val="50000"/>
+                      <a:lumOff val="50000"/>
+                    </a:schemeClr>
+                  </a:solidFill>
+                </a:rPr>
+                <a:t>MHA</a:t>
+              </a:r>
+            </a:p>
+          </p:txBody>
+        </p:sp>
+        <p:pic>
+          <p:nvPicPr>
+            <p:cNvPr id="19" name="Picture 18">
+              <a:extLst>
+                <a:ext uri="{FF2B5EF4-FFF2-40B4-BE49-F238E27FC236}">
+                  <a16:creationId xmlns:a16="http://schemas.microsoft.com/office/drawing/2014/main" id="{0A585EC4-37CE-079E-DF31-8219A4F1AB5E}"/>
                 </a:ext>
               </a:extLst>
             </p:cNvPr>
@@ -3131,176 +3254,74 @@
             <p:nvPr/>
           </p:nvPicPr>
           <p:blipFill>
-            <a:blip r:embed="rId4"/>
+            <a:blip r:embed="rId3"/>
             <a:stretch>
               <a:fillRect/>
             </a:stretch>
           </p:blipFill>
           <p:spPr>
             <a:xfrm>
-              <a:off x="1509807" y="956441"/>
-              <a:ext cx="2809781" cy="2283647"/>
+              <a:off x="266132" y="1896164"/>
+              <a:ext cx="908667" cy="908667"/>
             </a:xfrm>
             <a:prstGeom prst="rect">
               <a:avLst/>
             </a:prstGeom>
           </p:spPr>
         </p:pic>
+        <p:sp>
+          <p:nvSpPr>
+            <p:cNvPr id="20" name="Right Brace 19">
+              <a:extLst>
+                <a:ext uri="{FF2B5EF4-FFF2-40B4-BE49-F238E27FC236}">
+                  <a16:creationId xmlns:a16="http://schemas.microsoft.com/office/drawing/2014/main" id="{5468B7E0-C031-52AE-4F6A-545FF5F385E0}"/>
+                </a:ext>
+              </a:extLst>
+            </p:cNvPr>
+            <p:cNvSpPr/>
+            <p:nvPr/>
+          </p:nvSpPr>
+          <p:spPr>
+            <a:xfrm>
+              <a:off x="1292773" y="798786"/>
+              <a:ext cx="329096" cy="1807780"/>
+            </a:xfrm>
+            <a:prstGeom prst="rightBrace">
+              <a:avLst>
+                <a:gd name="adj1" fmla="val 8333"/>
+                <a:gd name="adj2" fmla="val 35465"/>
+              </a:avLst>
+            </a:prstGeom>
+            <a:ln>
+              <a:solidFill>
+                <a:schemeClr val="tx1"/>
+              </a:solidFill>
+            </a:ln>
+          </p:spPr>
+          <p:style>
+            <a:lnRef idx="2">
+              <a:schemeClr val="accent1"/>
+            </a:lnRef>
+            <a:fillRef idx="0">
+              <a:schemeClr val="accent1"/>
+            </a:fillRef>
+            <a:effectRef idx="1">
+              <a:schemeClr val="accent1"/>
+            </a:effectRef>
+            <a:fontRef idx="minor">
+              <a:schemeClr val="tx1"/>
+            </a:fontRef>
+          </p:style>
+          <p:txBody>
+            <a:bodyPr rtlCol="0" anchor="ctr"/>
+            <a:lstStyle/>
+            <a:p>
+              <a:pPr algn="ctr"/>
+              <a:endParaRPr lang="en-US"/>
+            </a:p>
+          </p:txBody>
+        </p:sp>
       </p:grpSp>
-      <p:pic>
-        <p:nvPicPr>
-          <p:cNvPr id="17" name="Picture 16" descr="A white page curl on a black background&#10;&#10;Description automatically generated">
-            <a:extLst>
-              <a:ext uri="{FF2B5EF4-FFF2-40B4-BE49-F238E27FC236}">
-                <a16:creationId xmlns:a16="http://schemas.microsoft.com/office/drawing/2014/main" id="{31C5A8F0-14ED-F406-E041-A718C7B875B4}"/>
-              </a:ext>
-            </a:extLst>
-          </p:cNvPr>
-          <p:cNvPicPr>
-            <a:picLocks noChangeAspect="1"/>
-          </p:cNvPicPr>
-          <p:nvPr/>
-        </p:nvPicPr>
-        <p:blipFill rotWithShape="1">
-          <a:blip r:embed="rId2"/>
-          <a:srcRect l="6059"/>
-          <a:stretch/>
-        </p:blipFill>
-        <p:spPr>
-          <a:xfrm>
-            <a:off x="0" y="1603820"/>
-            <a:ext cx="1553513" cy="1653711"/>
-          </a:xfrm>
-          <a:prstGeom prst="rect">
-            <a:avLst/>
-          </a:prstGeom>
-        </p:spPr>
-      </p:pic>
-      <p:sp>
-        <p:nvSpPr>
-          <p:cNvPr id="18" name="TextBox 17">
-            <a:extLst>
-              <a:ext uri="{FF2B5EF4-FFF2-40B4-BE49-F238E27FC236}">
-                <a16:creationId xmlns:a16="http://schemas.microsoft.com/office/drawing/2014/main" id="{488CD75D-E6D7-BC5A-6A4D-F3388669E635}"/>
-              </a:ext>
-            </a:extLst>
-          </p:cNvPr>
-          <p:cNvSpPr txBox="1"/>
-          <p:nvPr/>
-        </p:nvSpPr>
-        <p:spPr>
-          <a:xfrm>
-            <a:off x="395568" y="2788784"/>
-            <a:ext cx="667170" cy="369332"/>
-          </a:xfrm>
-          <a:prstGeom prst="rect">
-            <a:avLst/>
-          </a:prstGeom>
-          <a:noFill/>
-        </p:spPr>
-        <p:txBody>
-          <a:bodyPr wrap="none" rtlCol="0">
-            <a:spAutoFit/>
-          </a:bodyPr>
-          <a:lstStyle/>
-          <a:p>
-            <a:pPr algn="ctr"/>
-            <a:r>
-              <a:rPr lang="en-US" dirty="0">
-                <a:solidFill>
-                  <a:schemeClr val="tx1">
-                    <a:lumMod val="50000"/>
-                    <a:lumOff val="50000"/>
-                  </a:schemeClr>
-                </a:solidFill>
-              </a:rPr>
-              <a:t>MHA</a:t>
-            </a:r>
-          </a:p>
-        </p:txBody>
-      </p:sp>
-      <p:pic>
-        <p:nvPicPr>
-          <p:cNvPr id="19" name="Picture 18">
-            <a:extLst>
-              <a:ext uri="{FF2B5EF4-FFF2-40B4-BE49-F238E27FC236}">
-                <a16:creationId xmlns:a16="http://schemas.microsoft.com/office/drawing/2014/main" id="{0A585EC4-37CE-079E-DF31-8219A4F1AB5E}"/>
-              </a:ext>
-            </a:extLst>
-          </p:cNvPr>
-          <p:cNvPicPr>
-            <a:picLocks noChangeAspect="1"/>
-          </p:cNvPicPr>
-          <p:nvPr/>
-        </p:nvPicPr>
-        <p:blipFill>
-          <a:blip r:embed="rId3"/>
-          <a:stretch>
-            <a:fillRect/>
-          </a:stretch>
-        </p:blipFill>
-        <p:spPr>
-          <a:xfrm>
-            <a:off x="266132" y="1896164"/>
-            <a:ext cx="908667" cy="908667"/>
-          </a:xfrm>
-          <a:prstGeom prst="rect">
-            <a:avLst/>
-          </a:prstGeom>
-        </p:spPr>
-      </p:pic>
-      <p:sp>
-        <p:nvSpPr>
-          <p:cNvPr id="20" name="Right Brace 19">
-            <a:extLst>
-              <a:ext uri="{FF2B5EF4-FFF2-40B4-BE49-F238E27FC236}">
-                <a16:creationId xmlns:a16="http://schemas.microsoft.com/office/drawing/2014/main" id="{5468B7E0-C031-52AE-4F6A-545FF5F385E0}"/>
-              </a:ext>
-            </a:extLst>
-          </p:cNvPr>
-          <p:cNvSpPr/>
-          <p:nvPr/>
-        </p:nvSpPr>
-        <p:spPr>
-          <a:xfrm>
-            <a:off x="1292773" y="798786"/>
-            <a:ext cx="329096" cy="1807780"/>
-          </a:xfrm>
-          <a:prstGeom prst="rightBrace">
-            <a:avLst>
-              <a:gd name="adj1" fmla="val 8333"/>
-              <a:gd name="adj2" fmla="val 35465"/>
-            </a:avLst>
-          </a:prstGeom>
-          <a:ln>
-            <a:solidFill>
-              <a:schemeClr val="tx1"/>
-            </a:solidFill>
-          </a:ln>
-        </p:spPr>
-        <p:style>
-          <a:lnRef idx="2">
-            <a:schemeClr val="accent1"/>
-          </a:lnRef>
-          <a:fillRef idx="0">
-            <a:schemeClr val="accent1"/>
-          </a:fillRef>
-          <a:effectRef idx="1">
-            <a:schemeClr val="accent1"/>
-          </a:effectRef>
-          <a:fontRef idx="minor">
-            <a:schemeClr val="tx1"/>
-          </a:fontRef>
-        </p:style>
-        <p:txBody>
-          <a:bodyPr rtlCol="0" anchor="ctr"/>
-          <a:lstStyle/>
-          <a:p>
-            <a:pPr algn="ctr"/>
-            <a:endParaRPr lang="en-US"/>
-          </a:p>
-        </p:txBody>
-      </p:sp>
     </p:spTree>
     <p:extLst>
       <p:ext uri="{BB962C8B-B14F-4D97-AF65-F5344CB8AC3E}">
